--- a/docs/IkraFinal BestHack.pptx
+++ b/docs/IkraFinal BestHack.pptx
@@ -107,6 +107,11 @@
       </a:defRPr>
     </a:lvl9pPr>
   </p:defaultTextStyle>
+  <p:extLst>
+    <p:ext uri="{EFAFB233-063F-42B5-8137-9DF3F51BA10A}">
+      <p15:sldGuideLst xmlns:p15="http://schemas.microsoft.com/office/powerpoint/2012/main"/>
+    </p:ext>
+  </p:extLst>
 </p:presentation>
 </file>
 
@@ -3167,13 +3172,22 @@
           <a:p>
             <a:r>
               <a:rPr lang="ru-RU" dirty="0" smtClean="0"/>
-              <a:t>Древовидная структура задач</a:t>
-            </a:r>
+              <a:t>Гибкость связей </a:t>
+            </a:r>
+            <a:r>
+              <a:rPr lang="ru-RU" smtClean="0"/>
+              <a:t>между задачами</a:t>
+            </a:r>
+            <a:endParaRPr lang="ru-RU" dirty="0" smtClean="0"/>
           </a:p>
           <a:p>
             <a:r>
               <a:rPr lang="ru-RU" dirty="0" smtClean="0"/>
-              <a:t>Ориентированность на индивидуальное использование</a:t>
+              <a:t>Ориентированность </a:t>
+            </a:r>
+            <a:r>
+              <a:rPr lang="ru-RU" dirty="0" smtClean="0"/>
+              <a:t>на индивидуальное использование</a:t>
             </a:r>
           </a:p>
           <a:p>

--- a/docs/IkraFinal BestHack.pptx
+++ b/docs/IkraFinal BestHack.pptx
@@ -3172,22 +3172,13 @@
           <a:p>
             <a:r>
               <a:rPr lang="ru-RU" dirty="0" smtClean="0"/>
-              <a:t>Гибкость связей </a:t>
-            </a:r>
-            <a:r>
-              <a:rPr lang="ru-RU" smtClean="0"/>
-              <a:t>между задачами</a:t>
-            </a:r>
-            <a:endParaRPr lang="ru-RU" dirty="0" smtClean="0"/>
+              <a:t>Гибкость связей между задачами</a:t>
+            </a:r>
           </a:p>
           <a:p>
             <a:r>
               <a:rPr lang="ru-RU" dirty="0" smtClean="0"/>
-              <a:t>Ориентированность </a:t>
-            </a:r>
-            <a:r>
-              <a:rPr lang="ru-RU" dirty="0" smtClean="0"/>
-              <a:t>на индивидуальное использование</a:t>
+              <a:t>Ориентированность на индивидуальное использование</a:t>
             </a:r>
           </a:p>
           <a:p>
@@ -3400,6 +3391,29 @@
         <p:txBody>
           <a:bodyPr/>
           <a:lstStyle/>
+          <a:p>
+            <a:r>
+              <a:rPr lang="ru-RU" dirty="0" smtClean="0"/>
+              <a:t>Возможность делиться задачами через </a:t>
+            </a:r>
+            <a:r>
+              <a:rPr lang="en-US" dirty="0" smtClean="0"/>
+              <a:t>web</a:t>
+            </a:r>
+          </a:p>
+          <a:p>
+            <a:r>
+              <a:rPr lang="ru-RU" dirty="0" smtClean="0"/>
+              <a:t>Командное участие </a:t>
+            </a:r>
+            <a:r>
+              <a:rPr lang="ru-RU" smtClean="0"/>
+              <a:t>в проектах</a:t>
+            </a:r>
+          </a:p>
+          <a:p>
+            <a:endParaRPr lang="en-US" dirty="0" smtClean="0"/>
+          </a:p>
           <a:p>
             <a:endParaRPr lang="ru-RU" dirty="0"/>
           </a:p>
